--- a/Study/statistics/PPT/6. 체비셰프 부등식.pptx
+++ b/Study/statistics/PPT/6. 체비셰프 부등식.pptx
@@ -8,7 +8,8 @@
     <p:sldId id="256" r:id="rId2"/>
     <p:sldId id="257" r:id="rId3"/>
     <p:sldId id="258" r:id="rId4"/>
-    <p:sldId id="259" r:id="rId5"/>
+    <p:sldId id="260" r:id="rId5"/>
+    <p:sldId id="259" r:id="rId6"/>
   </p:sldIdLst>
   <p:sldSz cx="12192000" cy="6858000"/>
   <p:notesSz cx="6858000" cy="9144000"/>
@@ -273,7 +274,7 @@
           <a:p>
             <a:fld id="{83CCAD06-E0BA-40FD-9D8F-33F6FDD26F21}" type="datetimeFigureOut">
               <a:rPr lang="ko-KR" altLang="en-US" smtClean="0"/>
-              <a:t>2019-12-23</a:t>
+              <a:t>2019-12-27</a:t>
             </a:fld>
             <a:endParaRPr lang="ko-KR" altLang="en-US"/>
           </a:p>
@@ -471,7 +472,7 @@
           <a:p>
             <a:fld id="{83CCAD06-E0BA-40FD-9D8F-33F6FDD26F21}" type="datetimeFigureOut">
               <a:rPr lang="ko-KR" altLang="en-US" smtClean="0"/>
-              <a:t>2019-12-23</a:t>
+              <a:t>2019-12-27</a:t>
             </a:fld>
             <a:endParaRPr lang="ko-KR" altLang="en-US"/>
           </a:p>
@@ -679,7 +680,7 @@
           <a:p>
             <a:fld id="{83CCAD06-E0BA-40FD-9D8F-33F6FDD26F21}" type="datetimeFigureOut">
               <a:rPr lang="ko-KR" altLang="en-US" smtClean="0"/>
-              <a:t>2019-12-23</a:t>
+              <a:t>2019-12-27</a:t>
             </a:fld>
             <a:endParaRPr lang="ko-KR" altLang="en-US"/>
           </a:p>
@@ -877,7 +878,7 @@
           <a:p>
             <a:fld id="{83CCAD06-E0BA-40FD-9D8F-33F6FDD26F21}" type="datetimeFigureOut">
               <a:rPr lang="ko-KR" altLang="en-US" smtClean="0"/>
-              <a:t>2019-12-23</a:t>
+              <a:t>2019-12-27</a:t>
             </a:fld>
             <a:endParaRPr lang="ko-KR" altLang="en-US"/>
           </a:p>
@@ -1152,7 +1153,7 @@
           <a:p>
             <a:fld id="{83CCAD06-E0BA-40FD-9D8F-33F6FDD26F21}" type="datetimeFigureOut">
               <a:rPr lang="ko-KR" altLang="en-US" smtClean="0"/>
-              <a:t>2019-12-23</a:t>
+              <a:t>2019-12-27</a:t>
             </a:fld>
             <a:endParaRPr lang="ko-KR" altLang="en-US"/>
           </a:p>
@@ -1417,7 +1418,7 @@
           <a:p>
             <a:fld id="{83CCAD06-E0BA-40FD-9D8F-33F6FDD26F21}" type="datetimeFigureOut">
               <a:rPr lang="ko-KR" altLang="en-US" smtClean="0"/>
-              <a:t>2019-12-23</a:t>
+              <a:t>2019-12-27</a:t>
             </a:fld>
             <a:endParaRPr lang="ko-KR" altLang="en-US"/>
           </a:p>
@@ -1829,7 +1830,7 @@
           <a:p>
             <a:fld id="{83CCAD06-E0BA-40FD-9D8F-33F6FDD26F21}" type="datetimeFigureOut">
               <a:rPr lang="ko-KR" altLang="en-US" smtClean="0"/>
-              <a:t>2019-12-23</a:t>
+              <a:t>2019-12-27</a:t>
             </a:fld>
             <a:endParaRPr lang="ko-KR" altLang="en-US"/>
           </a:p>
@@ -1970,7 +1971,7 @@
           <a:p>
             <a:fld id="{83CCAD06-E0BA-40FD-9D8F-33F6FDD26F21}" type="datetimeFigureOut">
               <a:rPr lang="ko-KR" altLang="en-US" smtClean="0"/>
-              <a:t>2019-12-23</a:t>
+              <a:t>2019-12-27</a:t>
             </a:fld>
             <a:endParaRPr lang="ko-KR" altLang="en-US"/>
           </a:p>
@@ -2083,7 +2084,7 @@
           <a:p>
             <a:fld id="{83CCAD06-E0BA-40FD-9D8F-33F6FDD26F21}" type="datetimeFigureOut">
               <a:rPr lang="ko-KR" altLang="en-US" smtClean="0"/>
-              <a:t>2019-12-23</a:t>
+              <a:t>2019-12-27</a:t>
             </a:fld>
             <a:endParaRPr lang="ko-KR" altLang="en-US"/>
           </a:p>
@@ -2394,7 +2395,7 @@
           <a:p>
             <a:fld id="{83CCAD06-E0BA-40FD-9D8F-33F6FDD26F21}" type="datetimeFigureOut">
               <a:rPr lang="ko-KR" altLang="en-US" smtClean="0"/>
-              <a:t>2019-12-23</a:t>
+              <a:t>2019-12-27</a:t>
             </a:fld>
             <a:endParaRPr lang="ko-KR" altLang="en-US"/>
           </a:p>
@@ -2682,7 +2683,7 @@
           <a:p>
             <a:fld id="{83CCAD06-E0BA-40FD-9D8F-33F6FDD26F21}" type="datetimeFigureOut">
               <a:rPr lang="ko-KR" altLang="en-US" smtClean="0"/>
-              <a:t>2019-12-23</a:t>
+              <a:t>2019-12-27</a:t>
             </a:fld>
             <a:endParaRPr lang="ko-KR" altLang="en-US"/>
           </a:p>
@@ -2923,7 +2924,7 @@
           <a:p>
             <a:fld id="{83CCAD06-E0BA-40FD-9D8F-33F6FDD26F21}" type="datetimeFigureOut">
               <a:rPr lang="ko-KR" altLang="en-US" smtClean="0"/>
-              <a:t>2019-12-23</a:t>
+              <a:t>2019-12-27</a:t>
             </a:fld>
             <a:endParaRPr lang="ko-KR" altLang="en-US"/>
           </a:p>
@@ -3455,8 +3456,8 @@
           </a:p>
         </p:txBody>
       </p:sp>
-      <mc:AlternateContent xmlns:mc="http://schemas.openxmlformats.org/markup-compatibility/2006">
-        <mc:Choice xmlns:a14="http://schemas.microsoft.com/office/drawing/2010/main" Requires="a14">
+      <mc:AlternateContent xmlns:mc="http://schemas.openxmlformats.org/markup-compatibility/2006" xmlns:a14="http://schemas.microsoft.com/office/drawing/2010/main">
+        <mc:Choice Requires="a14">
           <p:sp>
             <p:nvSpPr>
               <p:cNvPr id="3" name="내용 개체 틀 2">
@@ -3785,7 +3786,7 @@
                         <m:grow m:val="on"/>
                         <m:supHide m:val="on"/>
                         <m:ctrlPr>
-                          <a:rPr lang="en-US" altLang="ko-KR" sz="2000" dirty="0" smtClean="0">
+                          <a:rPr lang="en-US" altLang="ko-KR" sz="2000" i="1" dirty="0" smtClean="0">
                             <a:solidFill>
                               <a:srgbClr val="00B0F0"/>
                             </a:solidFill>
@@ -4896,7 +4897,7 @@
             </p:txBody>
           </p:sp>
         </mc:Choice>
-        <mc:Fallback>
+        <mc:Fallback xmlns="">
           <p:sp>
             <p:nvSpPr>
               <p:cNvPr id="3" name="내용 개체 틀 2">
@@ -6017,8 +6018,8 @@
           </a:p>
         </p:txBody>
       </p:sp>
-      <mc:AlternateContent xmlns:mc="http://schemas.openxmlformats.org/markup-compatibility/2006">
-        <mc:Choice xmlns:a14="http://schemas.microsoft.com/office/drawing/2010/main" Requires="a14">
+      <mc:AlternateContent xmlns:mc="http://schemas.openxmlformats.org/markup-compatibility/2006" xmlns:a14="http://schemas.microsoft.com/office/drawing/2010/main">
+        <mc:Choice Requires="a14">
           <p:sp>
             <p:nvSpPr>
               <p:cNvPr id="42" name="TextBox 41">
@@ -6047,6 +6048,7 @@
               </a:bodyPr>
               <a:lstStyle/>
               <a:p>
+                <a:pPr/>
                 <a14:m>
                   <m:oMathPara xmlns:m="http://schemas.openxmlformats.org/officeDocument/2006/math">
                     <m:oMathParaPr>
@@ -6086,7 +6088,7 @@
             </p:txBody>
           </p:sp>
         </mc:Choice>
-        <mc:Fallback>
+        <mc:Fallback xmlns="">
           <p:sp>
             <p:nvSpPr>
               <p:cNvPr id="42" name="TextBox 41">
@@ -6351,8 +6353,8 @@
           </a:p>
         </p:txBody>
       </p:sp>
-      <mc:AlternateContent xmlns:mc="http://schemas.openxmlformats.org/markup-compatibility/2006">
-        <mc:Choice xmlns:a14="http://schemas.microsoft.com/office/drawing/2010/main" Requires="a14">
+      <mc:AlternateContent xmlns:mc="http://schemas.openxmlformats.org/markup-compatibility/2006" xmlns:a14="http://schemas.microsoft.com/office/drawing/2010/main">
+        <mc:Choice Requires="a14">
           <p:sp>
             <p:nvSpPr>
               <p:cNvPr id="3" name="내용 개체 틀 2">
@@ -7503,7 +7505,7 @@
             </p:txBody>
           </p:sp>
         </mc:Choice>
-        <mc:Fallback>
+        <mc:Fallback xmlns="">
           <p:sp>
             <p:nvSpPr>
               <p:cNvPr id="3" name="내용 개체 틀 2">
@@ -7578,6 +7580,1380 @@
           <p:cNvPr id="2" name="제목 1">
             <a:extLst>
               <a:ext uri="{FF2B5EF4-FFF2-40B4-BE49-F238E27FC236}">
+                <a16:creationId xmlns:a16="http://schemas.microsoft.com/office/drawing/2014/main" id="{17A93B7F-76D5-4847-9B88-19B902AC0C78}"/>
+              </a:ext>
+            </a:extLst>
+          </p:cNvPr>
+          <p:cNvSpPr>
+            <a:spLocks noGrp="1"/>
+          </p:cNvSpPr>
+          <p:nvPr>
+            <p:ph type="title"/>
+          </p:nvPr>
+        </p:nvSpPr>
+        <p:spPr/>
+        <p:txBody>
+          <a:bodyPr/>
+          <a:lstStyle/>
+          <a:p>
+            <a:r>
+              <a:rPr lang="ko-KR" altLang="en-US" dirty="0"/>
+              <a:t>정의</a:t>
+            </a:r>
+          </a:p>
+        </p:txBody>
+      </p:sp>
+      <mc:AlternateContent xmlns:mc="http://schemas.openxmlformats.org/markup-compatibility/2006">
+        <mc:Choice xmlns:a14="http://schemas.microsoft.com/office/drawing/2010/main" Requires="a14">
+          <p:sp>
+            <p:nvSpPr>
+              <p:cNvPr id="3" name="내용 개체 틀 2">
+                <a:extLst>
+                  <a:ext uri="{FF2B5EF4-FFF2-40B4-BE49-F238E27FC236}">
+                    <a16:creationId xmlns:a16="http://schemas.microsoft.com/office/drawing/2014/main" id="{86D12E51-8600-4EE6-BEBF-79AE9351C629}"/>
+                  </a:ext>
+                </a:extLst>
+              </p:cNvPr>
+              <p:cNvSpPr>
+                <a:spLocks noGrp="1"/>
+              </p:cNvSpPr>
+              <p:nvPr>
+                <p:ph idx="1"/>
+              </p:nvPr>
+            </p:nvSpPr>
+            <p:spPr/>
+            <p:txBody>
+              <a:bodyPr>
+                <a:normAutofit/>
+              </a:bodyPr>
+              <a:lstStyle/>
+              <a:p>
+                <a:r>
+                  <a:rPr lang="ko-KR" altLang="en-US" sz="2000" dirty="0"/>
+                  <a:t>젠센 부등식</a:t>
+                </a:r>
+                <a:endParaRPr lang="en-US" altLang="ko-KR" sz="2000" dirty="0"/>
+              </a:p>
+              <a:p>
+                <a:pPr marL="457200" indent="-457200">
+                  <a:buAutoNum type="arabicPeriod"/>
+                </a:pPr>
+                <a:r>
+                  <a:rPr lang="ko-KR" altLang="en-US" sz="2000" dirty="0"/>
+                  <a:t>함수 </a:t>
+                </a:r>
+                <a14:m>
+                  <m:oMath xmlns:m="http://schemas.openxmlformats.org/officeDocument/2006/math">
+                    <m:r>
+                      <a:rPr lang="ko-KR" altLang="en-US" sz="2000" i="1" smtClean="0">
+                        <a:latin typeface="Cambria Math" panose="02040503050406030204" pitchFamily="18" charset="0"/>
+                      </a:rPr>
+                      <m:t>∅</m:t>
+                    </m:r>
+                  </m:oMath>
+                </a14:m>
+                <a:r>
+                  <a:rPr lang="ko-KR" altLang="en-US" sz="2000" dirty="0"/>
+                  <a:t>가 </a:t>
+                </a:r>
+                <a:r>
+                  <a:rPr lang="en-US" altLang="ko-KR" sz="2000" dirty="0"/>
+                  <a:t>2</a:t>
+                </a:r>
+                <a:r>
+                  <a:rPr lang="ko-KR" altLang="en-US" sz="2000" dirty="0"/>
+                  <a:t>차 미분 가능한 함수라고 가정하자</a:t>
+                </a:r>
+                <a:r>
+                  <a:rPr lang="en-US" altLang="ko-KR" sz="2000" dirty="0"/>
+                  <a:t>. </a:t>
+                </a:r>
+                <a:endParaRPr lang="en-US" altLang="ko-KR" sz="2000" i="1" dirty="0">
+                  <a:latin typeface="Cambria Math" panose="02040503050406030204" pitchFamily="18" charset="0"/>
+                </a:endParaRPr>
+              </a:p>
+              <a:p>
+                <a:pPr marL="0" indent="0">
+                  <a:buNone/>
+                </a:pPr>
+                <a:r>
+                  <a:rPr lang="en-US" altLang="ko-KR" sz="2000" i="1" dirty="0">
+                    <a:latin typeface="Cambria Math" panose="02040503050406030204" pitchFamily="18" charset="0"/>
+                  </a:rPr>
+                  <a:t>1)  </a:t>
+                </a:r>
+                <a14:m>
+                  <m:oMath xmlns:m="http://schemas.openxmlformats.org/officeDocument/2006/math">
+                    <m:r>
+                      <a:rPr lang="ko-KR" altLang="en-US" sz="2000" i="1">
+                        <a:latin typeface="Cambria Math" panose="02040503050406030204" pitchFamily="18" charset="0"/>
+                      </a:rPr>
+                      <m:t>𝜇</m:t>
+                    </m:r>
+                    <m:r>
+                      <a:rPr lang="en-US" altLang="ko-KR" sz="2000" b="0" i="1" smtClean="0">
+                        <a:latin typeface="Cambria Math" panose="02040503050406030204" pitchFamily="18" charset="0"/>
+                      </a:rPr>
+                      <m:t>=</m:t>
+                    </m:r>
+                    <m:r>
+                      <a:rPr lang="en-US" altLang="ko-KR" sz="2000" b="0" i="1" smtClean="0">
+                        <a:latin typeface="Cambria Math" panose="02040503050406030204" pitchFamily="18" charset="0"/>
+                      </a:rPr>
+                      <m:t>𝐸</m:t>
+                    </m:r>
+                    <m:d>
+                      <m:dPr>
+                        <m:ctrlPr>
+                          <a:rPr lang="en-US" altLang="ko-KR" sz="2000" b="0" i="1" smtClean="0">
+                            <a:latin typeface="Cambria Math" panose="02040503050406030204" pitchFamily="18" charset="0"/>
+                          </a:rPr>
+                        </m:ctrlPr>
+                      </m:dPr>
+                      <m:e>
+                        <m:r>
+                          <a:rPr lang="en-US" altLang="ko-KR" sz="2000" b="0" i="1" smtClean="0">
+                            <a:latin typeface="Cambria Math" panose="02040503050406030204" pitchFamily="18" charset="0"/>
+                          </a:rPr>
+                          <m:t>𝑋</m:t>
+                        </m:r>
+                      </m:e>
+                    </m:d>
+                  </m:oMath>
+                </a14:m>
+                <a:r>
+                  <a:rPr lang="ko-KR" altLang="en-US" sz="2000" dirty="0"/>
+                  <a:t>에 대하여 </a:t>
+                </a:r>
+                <a14:m>
+                  <m:oMath xmlns:m="http://schemas.openxmlformats.org/officeDocument/2006/math">
+                    <m:r>
+                      <a:rPr lang="ko-KR" altLang="en-US" sz="2000" i="1">
+                        <a:latin typeface="Cambria Math" panose="02040503050406030204" pitchFamily="18" charset="0"/>
+                      </a:rPr>
+                      <m:t>∅ </m:t>
+                    </m:r>
+                  </m:oMath>
+                </a14:m>
+                <a:r>
+                  <a:rPr lang="ko-KR" altLang="en-US" sz="2000" dirty="0" err="1"/>
+                  <a:t>를</a:t>
+                </a:r>
+                <a:r>
+                  <a:rPr lang="ko-KR" altLang="en-US" sz="2000" dirty="0"/>
+                  <a:t> </a:t>
+                </a:r>
+                <a:r>
+                  <a:rPr lang="en-US" altLang="ko-KR" sz="2000" dirty="0"/>
+                  <a:t>2</a:t>
+                </a:r>
+                <a:r>
+                  <a:rPr lang="ko-KR" altLang="en-US" sz="2000" dirty="0"/>
+                  <a:t>차까지 테일러 전개하면</a:t>
+                </a:r>
+                <a:r>
+                  <a:rPr lang="en-US" altLang="ko-KR" sz="2000" dirty="0"/>
+                  <a:t> </a:t>
+                </a:r>
+                <a:endParaRPr lang="en-US" altLang="ko-KR" sz="2000" i="1" dirty="0">
+                  <a:latin typeface="Cambria Math" panose="02040503050406030204" pitchFamily="18" charset="0"/>
+                </a:endParaRPr>
+              </a:p>
+              <a:p>
+                <a:pPr marL="0" indent="0">
+                  <a:buNone/>
+                </a:pPr>
+                <a14:m>
+                  <m:oMath xmlns:m="http://schemas.openxmlformats.org/officeDocument/2006/math">
+                    <m:d>
+                      <m:dPr>
+                        <m:ctrlPr>
+                          <a:rPr lang="en-US" altLang="ko-KR" sz="2000" b="0" i="1" smtClean="0">
+                            <a:latin typeface="Cambria Math" panose="02040503050406030204" pitchFamily="18" charset="0"/>
+                          </a:rPr>
+                        </m:ctrlPr>
+                      </m:dPr>
+                      <m:e>
+                        <m:r>
+                          <a:rPr lang="en-US" altLang="ko-KR" sz="2000" b="0" i="1" smtClean="0">
+                            <a:latin typeface="Cambria Math" panose="02040503050406030204" pitchFamily="18" charset="0"/>
+                          </a:rPr>
+                          <m:t>1</m:t>
+                        </m:r>
+                      </m:e>
+                    </m:d>
+                    <m:r>
+                      <a:rPr lang="ko-KR" altLang="en-US" sz="2000" i="1" smtClean="0">
+                        <a:latin typeface="Cambria Math" panose="02040503050406030204" pitchFamily="18" charset="0"/>
+                      </a:rPr>
+                      <m:t>∅</m:t>
+                    </m:r>
+                    <m:r>
+                      <m:rPr>
+                        <m:nor/>
+                      </m:rPr>
+                      <a:rPr lang="en-US" altLang="ko-KR" sz="2000" dirty="0"/>
+                      <m:t>(</m:t>
+                    </m:r>
+                    <m:r>
+                      <m:rPr>
+                        <m:nor/>
+                      </m:rPr>
+                      <a:rPr lang="en-US" altLang="ko-KR" sz="2000" dirty="0"/>
+                      <m:t>x</m:t>
+                    </m:r>
+                    <m:r>
+                      <m:rPr>
+                        <m:nor/>
+                      </m:rPr>
+                      <a:rPr lang="en-US" altLang="ko-KR" sz="2000" dirty="0"/>
+                      <m:t>) </m:t>
+                    </m:r>
+                    <m:r>
+                      <a:rPr lang="en-US" altLang="ko-KR" sz="2000" b="0" i="1" dirty="0" smtClean="0">
+                        <a:latin typeface="Cambria Math" panose="02040503050406030204" pitchFamily="18" charset="0"/>
+                      </a:rPr>
+                      <m:t>=</m:t>
+                    </m:r>
+                    <m:r>
+                      <m:rPr>
+                        <m:nor/>
+                      </m:rPr>
+                      <a:rPr lang="en-US" altLang="ko-KR" sz="2000" b="0" i="0" dirty="0" smtClean="0"/>
+                      <m:t> </m:t>
+                    </m:r>
+                    <m:r>
+                      <a:rPr lang="ko-KR" altLang="en-US" sz="2000" i="1">
+                        <a:latin typeface="Cambria Math" panose="02040503050406030204" pitchFamily="18" charset="0"/>
+                      </a:rPr>
+                      <m:t>∅</m:t>
+                    </m:r>
+                    <m:r>
+                      <m:rPr>
+                        <m:nor/>
+                      </m:rPr>
+                      <a:rPr lang="en-US" altLang="ko-KR" sz="2000" dirty="0"/>
+                      <m:t>(</m:t>
+                    </m:r>
+                    <m:r>
+                      <a:rPr lang="ko-KR" altLang="en-US" sz="2000" i="1">
+                        <a:latin typeface="Cambria Math" panose="02040503050406030204" pitchFamily="18" charset="0"/>
+                      </a:rPr>
+                      <m:t>𝜇</m:t>
+                    </m:r>
+                    <m:r>
+                      <m:rPr>
+                        <m:nor/>
+                      </m:rPr>
+                      <a:rPr lang="en-US" altLang="ko-KR" sz="2000" dirty="0"/>
+                      <m:t>)</m:t>
+                    </m:r>
+                  </m:oMath>
+                </a14:m>
+                <a:r>
+                  <a:rPr lang="ko-KR" altLang="en-US" sz="2000" dirty="0"/>
+                  <a:t> </a:t>
+                </a:r>
+                <a:r>
+                  <a:rPr lang="en-US" altLang="ko-KR" sz="2000" dirty="0"/>
+                  <a:t>+ </a:t>
+                </a:r>
+                <a14:m>
+                  <m:oMath xmlns:m="http://schemas.openxmlformats.org/officeDocument/2006/math">
+                    <m:r>
+                      <a:rPr lang="ko-KR" altLang="en-US" sz="2000" i="1">
+                        <a:latin typeface="Cambria Math" panose="02040503050406030204" pitchFamily="18" charset="0"/>
+                      </a:rPr>
+                      <m:t>∅</m:t>
+                    </m:r>
+                    <m:r>
+                      <m:rPr>
+                        <m:nor/>
+                      </m:rPr>
+                      <a:rPr lang="en-US" altLang="ko-KR" sz="2000" b="0" i="0" smtClean="0">
+                        <a:latin typeface="Cambria Math" panose="02040503050406030204" pitchFamily="18" charset="0"/>
+                      </a:rPr>
+                      <m:t>'</m:t>
+                    </m:r>
+                    <m:r>
+                      <m:rPr>
+                        <m:nor/>
+                      </m:rPr>
+                      <a:rPr lang="en-US" altLang="ko-KR" sz="2000" dirty="0"/>
+                      <m:t>(</m:t>
+                    </m:r>
+                    <m:r>
+                      <a:rPr lang="ko-KR" altLang="en-US" sz="2000" i="1">
+                        <a:latin typeface="Cambria Math" panose="02040503050406030204" pitchFamily="18" charset="0"/>
+                      </a:rPr>
+                      <m:t>𝜇</m:t>
+                    </m:r>
+                    <m:r>
+                      <m:rPr>
+                        <m:nor/>
+                      </m:rPr>
+                      <a:rPr lang="en-US" altLang="ko-KR" sz="2000" dirty="0"/>
+                      <m:t>)</m:t>
+                    </m:r>
+                    <m:r>
+                      <m:rPr>
+                        <m:nor/>
+                      </m:rPr>
+                      <a:rPr lang="en-US" altLang="ko-KR" sz="2000" b="0" i="0" dirty="0" smtClean="0"/>
+                      <m:t>(</m:t>
+                    </m:r>
+                    <m:r>
+                      <m:rPr>
+                        <m:nor/>
+                      </m:rPr>
+                      <a:rPr lang="en-US" altLang="ko-KR" sz="2000" b="0" i="0" dirty="0" smtClean="0"/>
+                      <m:t>x</m:t>
+                    </m:r>
+                    <m:r>
+                      <m:rPr>
+                        <m:nor/>
+                      </m:rPr>
+                      <a:rPr lang="en-US" altLang="ko-KR" sz="2000" b="0" i="0" dirty="0" smtClean="0"/>
+                      <m:t>-</m:t>
+                    </m:r>
+                    <m:r>
+                      <a:rPr lang="ko-KR" altLang="en-US" sz="2000" i="1">
+                        <a:latin typeface="Cambria Math" panose="02040503050406030204" pitchFamily="18" charset="0"/>
+                      </a:rPr>
+                      <m:t>𝜇</m:t>
+                    </m:r>
+                    <m:r>
+                      <m:rPr>
+                        <m:nor/>
+                      </m:rPr>
+                      <a:rPr lang="en-US" altLang="ko-KR" sz="2000" b="0" i="0" dirty="0" smtClean="0"/>
+                      <m:t>)</m:t>
+                    </m:r>
+                  </m:oMath>
+                </a14:m>
+                <a:r>
+                  <a:rPr lang="ko-KR" altLang="en-US" sz="2000" dirty="0"/>
+                  <a:t> </a:t>
+                </a:r>
+                <a:r>
+                  <a:rPr lang="en-US" altLang="ko-KR" sz="2000" dirty="0"/>
+                  <a:t>+ </a:t>
+                </a:r>
+                <a14:m>
+                  <m:oMath xmlns:m="http://schemas.openxmlformats.org/officeDocument/2006/math">
+                    <m:f>
+                      <m:fPr>
+                        <m:ctrlPr>
+                          <a:rPr lang="en-US" altLang="ko-KR" sz="2000" b="0" i="0" smtClean="0">
+                            <a:latin typeface="Cambria Math" panose="02040503050406030204" pitchFamily="18" charset="0"/>
+                          </a:rPr>
+                        </m:ctrlPr>
+                      </m:fPr>
+                      <m:num>
+                        <m:r>
+                          <a:rPr lang="en-US" altLang="ko-KR" sz="2000" b="0" i="0" smtClean="0">
+                            <a:latin typeface="Cambria Math" panose="02040503050406030204" pitchFamily="18" charset="0"/>
+                          </a:rPr>
+                          <m:t>1</m:t>
+                        </m:r>
+                      </m:num>
+                      <m:den>
+                        <m:r>
+                          <a:rPr lang="en-US" altLang="ko-KR" sz="2000" b="0" i="1" smtClean="0">
+                            <a:latin typeface="Cambria Math" panose="02040503050406030204" pitchFamily="18" charset="0"/>
+                          </a:rPr>
+                          <m:t>2</m:t>
+                        </m:r>
+                      </m:den>
+                    </m:f>
+                    <m:r>
+                      <a:rPr lang="ko-KR" altLang="en-US" sz="2000" i="1">
+                        <a:latin typeface="Cambria Math" panose="02040503050406030204" pitchFamily="18" charset="0"/>
+                      </a:rPr>
+                      <m:t>∅</m:t>
+                    </m:r>
+                    <m:r>
+                      <m:rPr>
+                        <m:nor/>
+                      </m:rPr>
+                      <a:rPr lang="en-US" altLang="ko-KR" sz="2000" b="0" i="0" smtClean="0">
+                        <a:latin typeface="Cambria Math" panose="02040503050406030204" pitchFamily="18" charset="0"/>
+                      </a:rPr>
+                      <m:t>''</m:t>
+                    </m:r>
+                    <m:r>
+                      <m:rPr>
+                        <m:nor/>
+                      </m:rPr>
+                      <a:rPr lang="en-US" altLang="ko-KR" sz="2000" dirty="0"/>
+                      <m:t>(</m:t>
+                    </m:r>
+                    <m:r>
+                      <m:rPr>
+                        <m:nor/>
+                      </m:rPr>
+                      <a:rPr lang="en-US" altLang="ko-KR" sz="2000" b="0" i="0" dirty="0" smtClean="0"/>
+                      <m:t>a</m:t>
+                    </m:r>
+                    <m:r>
+                      <m:rPr>
+                        <m:nor/>
+                      </m:rPr>
+                      <a:rPr lang="en-US" altLang="ko-KR" sz="2000" dirty="0" smtClean="0"/>
+                      <m:t>)</m:t>
+                    </m:r>
+                    <m:sSup>
+                      <m:sSupPr>
+                        <m:ctrlPr>
+                          <a:rPr lang="en-US" altLang="ko-KR" sz="2000" b="0" i="1" dirty="0" smtClean="0">
+                            <a:latin typeface="Cambria Math" panose="02040503050406030204" pitchFamily="18" charset="0"/>
+                          </a:rPr>
+                        </m:ctrlPr>
+                      </m:sSupPr>
+                      <m:e>
+                        <m:r>
+                          <m:rPr>
+                            <m:nor/>
+                          </m:rPr>
+                          <a:rPr lang="en-US" altLang="ko-KR" sz="2000" dirty="0"/>
+                          <m:t>(</m:t>
+                        </m:r>
+                        <m:r>
+                          <m:rPr>
+                            <m:nor/>
+                          </m:rPr>
+                          <a:rPr lang="en-US" altLang="ko-KR" sz="2000" dirty="0"/>
+                          <m:t>x</m:t>
+                        </m:r>
+                        <m:r>
+                          <m:rPr>
+                            <m:nor/>
+                          </m:rPr>
+                          <a:rPr lang="en-US" altLang="ko-KR" sz="2000" dirty="0"/>
+                          <m:t>−</m:t>
+                        </m:r>
+                        <m:r>
+                          <a:rPr lang="ko-KR" altLang="en-US" sz="2000" i="1">
+                            <a:latin typeface="Cambria Math" panose="02040503050406030204" pitchFamily="18" charset="0"/>
+                          </a:rPr>
+                          <m:t>𝜇</m:t>
+                        </m:r>
+                        <m:r>
+                          <m:rPr>
+                            <m:nor/>
+                          </m:rPr>
+                          <a:rPr lang="en-US" altLang="ko-KR" sz="2000" dirty="0"/>
+                          <m:t>)</m:t>
+                        </m:r>
+                      </m:e>
+                      <m:sup>
+                        <m:r>
+                          <a:rPr lang="en-US" altLang="ko-KR" sz="2000" b="0" i="1" dirty="0" smtClean="0">
+                            <a:latin typeface="Cambria Math" panose="02040503050406030204" pitchFamily="18" charset="0"/>
+                          </a:rPr>
+                          <m:t>2</m:t>
+                        </m:r>
+                      </m:sup>
+                    </m:sSup>
+                  </m:oMath>
+                </a14:m>
+                <a:endParaRPr lang="en-US" altLang="ko-KR" sz="2000" dirty="0"/>
+              </a:p>
+              <a:p>
+                <a:pPr marL="0" indent="0">
+                  <a:buNone/>
+                </a:pPr>
+                <a:r>
+                  <a:rPr lang="en-US" altLang="ko-KR" sz="2000" dirty="0"/>
+                  <a:t>(2) </a:t>
+                </a:r>
+                <a:r>
+                  <a:rPr lang="ko-KR" altLang="en-US" sz="2000" dirty="0"/>
+                  <a:t>이 때</a:t>
+                </a:r>
+                <a:r>
+                  <a:rPr lang="en-US" altLang="ko-KR" sz="2000" dirty="0"/>
+                  <a:t>, </a:t>
+                </a:r>
+                <a14:m>
+                  <m:oMath xmlns:m="http://schemas.openxmlformats.org/officeDocument/2006/math">
+                    <m:f>
+                      <m:fPr>
+                        <m:ctrlPr>
+                          <a:rPr lang="en-US" altLang="ko-KR" sz="2000" i="1">
+                            <a:latin typeface="Cambria Math" panose="02040503050406030204" pitchFamily="18" charset="0"/>
+                          </a:rPr>
+                        </m:ctrlPr>
+                      </m:fPr>
+                      <m:num>
+                        <m:r>
+                          <a:rPr lang="en-US" altLang="ko-KR" sz="2000">
+                            <a:latin typeface="Cambria Math" panose="02040503050406030204" pitchFamily="18" charset="0"/>
+                          </a:rPr>
+                          <m:t>1</m:t>
+                        </m:r>
+                      </m:num>
+                      <m:den>
+                        <m:r>
+                          <a:rPr lang="en-US" altLang="ko-KR" sz="2000" i="1">
+                            <a:latin typeface="Cambria Math" panose="02040503050406030204" pitchFamily="18" charset="0"/>
+                          </a:rPr>
+                          <m:t>2</m:t>
+                        </m:r>
+                      </m:den>
+                    </m:f>
+                    <m:r>
+                      <a:rPr lang="ko-KR" altLang="en-US" sz="2000" i="1">
+                        <a:latin typeface="Cambria Math" panose="02040503050406030204" pitchFamily="18" charset="0"/>
+                      </a:rPr>
+                      <m:t>∅</m:t>
+                    </m:r>
+                    <m:r>
+                      <m:rPr>
+                        <m:nor/>
+                      </m:rPr>
+                      <a:rPr lang="en-US" altLang="ko-KR" sz="2000">
+                        <a:latin typeface="Cambria Math" panose="02040503050406030204" pitchFamily="18" charset="0"/>
+                      </a:rPr>
+                      <m:t>′′</m:t>
+                    </m:r>
+                    <m:r>
+                      <m:rPr>
+                        <m:nor/>
+                      </m:rPr>
+                      <a:rPr lang="en-US" altLang="ko-KR" sz="2000" dirty="0"/>
+                      <m:t>(</m:t>
+                    </m:r>
+                    <m:r>
+                      <m:rPr>
+                        <m:nor/>
+                      </m:rPr>
+                      <a:rPr lang="en-US" altLang="ko-KR" sz="2000" dirty="0"/>
+                      <m:t>a</m:t>
+                    </m:r>
+                    <m:r>
+                      <m:rPr>
+                        <m:nor/>
+                      </m:rPr>
+                      <a:rPr lang="en-US" altLang="ko-KR" sz="2000" dirty="0"/>
+                      <m:t>)</m:t>
+                    </m:r>
+                    <m:sSup>
+                      <m:sSupPr>
+                        <m:ctrlPr>
+                          <a:rPr lang="en-US" altLang="ko-KR" sz="2000" i="1" dirty="0">
+                            <a:latin typeface="Cambria Math" panose="02040503050406030204" pitchFamily="18" charset="0"/>
+                          </a:rPr>
+                        </m:ctrlPr>
+                      </m:sSupPr>
+                      <m:e>
+                        <m:r>
+                          <m:rPr>
+                            <m:nor/>
+                          </m:rPr>
+                          <a:rPr lang="en-US" altLang="ko-KR" sz="2000" dirty="0"/>
+                          <m:t>(</m:t>
+                        </m:r>
+                        <m:r>
+                          <m:rPr>
+                            <m:nor/>
+                          </m:rPr>
+                          <a:rPr lang="en-US" altLang="ko-KR" sz="2000" dirty="0"/>
+                          <m:t>x</m:t>
+                        </m:r>
+                        <m:r>
+                          <m:rPr>
+                            <m:nor/>
+                          </m:rPr>
+                          <a:rPr lang="en-US" altLang="ko-KR" sz="2000" dirty="0"/>
+                          <m:t>−</m:t>
+                        </m:r>
+                        <m:r>
+                          <a:rPr lang="ko-KR" altLang="en-US" sz="2000" i="1">
+                            <a:latin typeface="Cambria Math" panose="02040503050406030204" pitchFamily="18" charset="0"/>
+                          </a:rPr>
+                          <m:t>𝜇</m:t>
+                        </m:r>
+                        <m:r>
+                          <m:rPr>
+                            <m:nor/>
+                          </m:rPr>
+                          <a:rPr lang="en-US" altLang="ko-KR" sz="2000" dirty="0"/>
+                          <m:t>)</m:t>
+                        </m:r>
+                      </m:e>
+                      <m:sup>
+                        <m:r>
+                          <a:rPr lang="en-US" altLang="ko-KR" sz="2000" i="1" dirty="0">
+                            <a:latin typeface="Cambria Math" panose="02040503050406030204" pitchFamily="18" charset="0"/>
+                          </a:rPr>
+                          <m:t>2</m:t>
+                        </m:r>
+                      </m:sup>
+                    </m:sSup>
+                  </m:oMath>
+                </a14:m>
+                <a:r>
+                  <a:rPr lang="ko-KR" altLang="en-US" sz="2000" dirty="0"/>
+                  <a:t>는 음이 아니므로</a:t>
+                </a:r>
+                <a:r>
+                  <a:rPr lang="en-US" altLang="ko-KR" sz="2000" dirty="0"/>
+                  <a:t>, </a:t>
+                </a:r>
+                <a:r>
+                  <a:rPr lang="ko-KR" altLang="en-US" sz="2000" dirty="0"/>
+                  <a:t>이 항을 제거하면</a:t>
+                </a:r>
+                <a:endParaRPr lang="en-US" altLang="ko-KR" sz="2000" dirty="0"/>
+              </a:p>
+              <a:p>
+                <a:pPr>
+                  <a:buFontTx/>
+                  <a:buChar char="-"/>
+                </a:pPr>
+                <a14:m>
+                  <m:oMath xmlns:m="http://schemas.openxmlformats.org/officeDocument/2006/math">
+                    <m:r>
+                      <a:rPr lang="ko-KR" altLang="en-US" sz="2000" i="1">
+                        <a:latin typeface="Cambria Math" panose="02040503050406030204" pitchFamily="18" charset="0"/>
+                      </a:rPr>
+                      <m:t>∅</m:t>
+                    </m:r>
+                    <m:r>
+                      <m:rPr>
+                        <m:nor/>
+                      </m:rPr>
+                      <a:rPr lang="en-US" altLang="ko-KR" sz="2000" dirty="0"/>
+                      <m:t>(</m:t>
+                    </m:r>
+                    <m:r>
+                      <m:rPr>
+                        <m:nor/>
+                      </m:rPr>
+                      <a:rPr lang="en-US" altLang="ko-KR" sz="2000" dirty="0"/>
+                      <m:t>x</m:t>
+                    </m:r>
+                    <m:r>
+                      <m:rPr>
+                        <m:nor/>
+                      </m:rPr>
+                      <a:rPr lang="en-US" altLang="ko-KR" sz="2000" dirty="0"/>
+                      <m:t>) </m:t>
+                    </m:r>
+                    <m:r>
+                      <a:rPr lang="en-US" altLang="ko-KR" sz="2000" b="0" i="1" dirty="0" smtClean="0">
+                        <a:latin typeface="Cambria Math" panose="02040503050406030204" pitchFamily="18" charset="0"/>
+                      </a:rPr>
+                      <m:t>&gt;</m:t>
+                    </m:r>
+                    <m:r>
+                      <m:rPr>
+                        <m:nor/>
+                      </m:rPr>
+                      <a:rPr lang="en-US" altLang="ko-KR" sz="2000" dirty="0"/>
+                      <m:t> </m:t>
+                    </m:r>
+                    <m:r>
+                      <a:rPr lang="ko-KR" altLang="en-US" sz="2000" i="1">
+                        <a:latin typeface="Cambria Math" panose="02040503050406030204" pitchFamily="18" charset="0"/>
+                      </a:rPr>
+                      <m:t>∅</m:t>
+                    </m:r>
+                    <m:r>
+                      <m:rPr>
+                        <m:nor/>
+                      </m:rPr>
+                      <a:rPr lang="en-US" altLang="ko-KR" sz="2000" dirty="0"/>
+                      <m:t>(</m:t>
+                    </m:r>
+                    <m:r>
+                      <a:rPr lang="ko-KR" altLang="en-US" sz="2000" i="1">
+                        <a:latin typeface="Cambria Math" panose="02040503050406030204" pitchFamily="18" charset="0"/>
+                      </a:rPr>
+                      <m:t>𝜇</m:t>
+                    </m:r>
+                    <m:r>
+                      <m:rPr>
+                        <m:nor/>
+                      </m:rPr>
+                      <a:rPr lang="en-US" altLang="ko-KR" sz="2000" dirty="0"/>
+                      <m:t>)</m:t>
+                    </m:r>
+                  </m:oMath>
+                </a14:m>
+                <a:r>
+                  <a:rPr lang="ko-KR" altLang="en-US" sz="2000" dirty="0"/>
+                  <a:t> </a:t>
+                </a:r>
+                <a:r>
+                  <a:rPr lang="en-US" altLang="ko-KR" sz="2000" dirty="0"/>
+                  <a:t>+ </a:t>
+                </a:r>
+                <a14:m>
+                  <m:oMath xmlns:m="http://schemas.openxmlformats.org/officeDocument/2006/math">
+                    <m:r>
+                      <a:rPr lang="ko-KR" altLang="en-US" sz="2000" i="1">
+                        <a:latin typeface="Cambria Math" panose="02040503050406030204" pitchFamily="18" charset="0"/>
+                      </a:rPr>
+                      <m:t>∅</m:t>
+                    </m:r>
+                    <m:r>
+                      <m:rPr>
+                        <m:nor/>
+                      </m:rPr>
+                      <a:rPr lang="en-US" altLang="ko-KR" sz="2000">
+                        <a:latin typeface="Cambria Math" panose="02040503050406030204" pitchFamily="18" charset="0"/>
+                      </a:rPr>
+                      <m:t>′</m:t>
+                    </m:r>
+                    <m:r>
+                      <m:rPr>
+                        <m:nor/>
+                      </m:rPr>
+                      <a:rPr lang="en-US" altLang="ko-KR" sz="2000" dirty="0"/>
+                      <m:t>(</m:t>
+                    </m:r>
+                    <m:r>
+                      <a:rPr lang="ko-KR" altLang="en-US" sz="2000" i="1">
+                        <a:latin typeface="Cambria Math" panose="02040503050406030204" pitchFamily="18" charset="0"/>
+                      </a:rPr>
+                      <m:t>𝜇</m:t>
+                    </m:r>
+                    <m:r>
+                      <m:rPr>
+                        <m:nor/>
+                      </m:rPr>
+                      <a:rPr lang="en-US" altLang="ko-KR" sz="2000" dirty="0"/>
+                      <m:t>)</m:t>
+                    </m:r>
+                    <m:r>
+                      <m:rPr>
+                        <m:nor/>
+                      </m:rPr>
+                      <a:rPr lang="en-US" altLang="ko-KR" sz="2000" dirty="0"/>
+                      <m:t>(</m:t>
+                    </m:r>
+                    <m:r>
+                      <m:rPr>
+                        <m:nor/>
+                      </m:rPr>
+                      <a:rPr lang="en-US" altLang="ko-KR" sz="2000" dirty="0"/>
+                      <m:t>x</m:t>
+                    </m:r>
+                    <m:r>
+                      <m:rPr>
+                        <m:nor/>
+                      </m:rPr>
+                      <a:rPr lang="en-US" altLang="ko-KR" sz="2000" dirty="0"/>
+                      <m:t>−</m:t>
+                    </m:r>
+                    <m:r>
+                      <a:rPr lang="ko-KR" altLang="en-US" sz="2000" i="1">
+                        <a:latin typeface="Cambria Math" panose="02040503050406030204" pitchFamily="18" charset="0"/>
+                      </a:rPr>
+                      <m:t>𝜇</m:t>
+                    </m:r>
+                    <m:r>
+                      <m:rPr>
+                        <m:nor/>
+                      </m:rPr>
+                      <a:rPr lang="en-US" altLang="ko-KR" sz="2000" dirty="0"/>
+                      <m:t>)</m:t>
+                    </m:r>
+                  </m:oMath>
+                </a14:m>
+                <a:r>
+                  <a:rPr lang="ko-KR" altLang="en-US" sz="2000" dirty="0"/>
+                  <a:t> 이다</a:t>
+                </a:r>
+                <a:r>
+                  <a:rPr lang="en-US" altLang="ko-KR" sz="2000" dirty="0"/>
+                  <a:t>. </a:t>
+                </a:r>
+              </a:p>
+              <a:p>
+                <a:pPr marL="0" indent="0">
+                  <a:buNone/>
+                </a:pPr>
+                <a:endParaRPr lang="en-US" altLang="ko-KR" sz="2000" dirty="0"/>
+              </a:p>
+              <a:p>
+                <a:pPr marL="0" indent="0">
+                  <a:buNone/>
+                </a:pPr>
+                <a:r>
+                  <a:rPr lang="en-US" altLang="ko-KR" sz="2000" dirty="0"/>
+                  <a:t>2) </a:t>
+                </a:r>
+                <a:r>
+                  <a:rPr lang="ko-KR" altLang="en-US" sz="2000" dirty="0"/>
+                  <a:t>양변에 </a:t>
+                </a:r>
+                <a:r>
+                  <a:rPr lang="ko-KR" altLang="en-US" sz="2000" dirty="0" err="1"/>
+                  <a:t>기댓값을</a:t>
+                </a:r>
+                <a:r>
+                  <a:rPr lang="ko-KR" altLang="en-US" sz="2000" dirty="0"/>
+                  <a:t> 취하면</a:t>
+                </a:r>
+                <a:endParaRPr lang="en-US" altLang="ko-KR" sz="2000" dirty="0"/>
+              </a:p>
+              <a:p>
+                <a:pPr marL="457200" indent="-457200">
+                  <a:buAutoNum type="arabicParenBoth"/>
+                </a:pPr>
+                <a14:m>
+                  <m:oMath xmlns:m="http://schemas.openxmlformats.org/officeDocument/2006/math">
+                    <m:r>
+                      <m:rPr>
+                        <m:sty m:val="p"/>
+                      </m:rPr>
+                      <a:rPr lang="en-US" altLang="ko-KR" sz="2000" b="0" i="0" smtClean="0">
+                        <a:latin typeface="Cambria Math" panose="02040503050406030204" pitchFamily="18" charset="0"/>
+                      </a:rPr>
+                      <m:t>E</m:t>
+                    </m:r>
+                    <m:r>
+                      <a:rPr lang="en-US" altLang="ko-KR" sz="2000" b="0" i="1" smtClean="0">
+                        <a:latin typeface="Cambria Math" panose="02040503050406030204" pitchFamily="18" charset="0"/>
+                      </a:rPr>
+                      <m:t>[</m:t>
+                    </m:r>
+                    <m:r>
+                      <a:rPr lang="ko-KR" altLang="en-US" sz="2000" i="1">
+                        <a:latin typeface="Cambria Math" panose="02040503050406030204" pitchFamily="18" charset="0"/>
+                      </a:rPr>
+                      <m:t>∅</m:t>
+                    </m:r>
+                    <m:r>
+                      <m:rPr>
+                        <m:nor/>
+                      </m:rPr>
+                      <a:rPr lang="en-US" altLang="ko-KR" sz="2000" dirty="0"/>
+                      <m:t>(</m:t>
+                    </m:r>
+                    <m:r>
+                      <m:rPr>
+                        <m:nor/>
+                      </m:rPr>
+                      <a:rPr lang="en-US" altLang="ko-KR" sz="2000" dirty="0"/>
+                      <m:t>x</m:t>
+                    </m:r>
+                    <m:r>
+                      <m:rPr>
+                        <m:nor/>
+                      </m:rPr>
+                      <a:rPr lang="en-US" altLang="ko-KR" sz="2000" dirty="0"/>
+                      <m:t>)]</m:t>
+                    </m:r>
+                    <m:r>
+                      <a:rPr lang="en-US" altLang="ko-KR" sz="2000" i="1" dirty="0">
+                        <a:latin typeface="Cambria Math" panose="02040503050406030204" pitchFamily="18" charset="0"/>
+                      </a:rPr>
+                      <m:t>&gt;</m:t>
+                    </m:r>
+                    <m:r>
+                      <a:rPr lang="en-US" altLang="ko-KR" sz="2000" b="0" i="1" dirty="0" smtClean="0">
+                        <a:latin typeface="Cambria Math" panose="02040503050406030204" pitchFamily="18" charset="0"/>
+                      </a:rPr>
+                      <m:t>𝐸</m:t>
+                    </m:r>
+                    <m:r>
+                      <a:rPr lang="en-US" altLang="ko-KR" sz="2000" b="0" i="1" dirty="0" smtClean="0">
+                        <a:latin typeface="Cambria Math" panose="02040503050406030204" pitchFamily="18" charset="0"/>
+                      </a:rPr>
+                      <m:t>[∅</m:t>
+                    </m:r>
+                    <m:r>
+                      <m:rPr>
+                        <m:nor/>
+                      </m:rPr>
+                      <a:rPr lang="en-US" altLang="ko-KR" sz="2000" dirty="0"/>
+                      <m:t>(</m:t>
+                    </m:r>
+                    <m:r>
+                      <a:rPr lang="ko-KR" altLang="en-US" sz="2000" i="1">
+                        <a:latin typeface="Cambria Math" panose="02040503050406030204" pitchFamily="18" charset="0"/>
+                      </a:rPr>
+                      <m:t>𝜇</m:t>
+                    </m:r>
+                    <m:r>
+                      <m:rPr>
+                        <m:nor/>
+                      </m:rPr>
+                      <a:rPr lang="en-US" altLang="ko-KR" sz="2000" dirty="0"/>
+                      <m:t>)</m:t>
+                    </m:r>
+                  </m:oMath>
+                </a14:m>
+                <a:r>
+                  <a:rPr lang="ko-KR" altLang="en-US" sz="2000" dirty="0"/>
+                  <a:t> </a:t>
+                </a:r>
+                <a:r>
+                  <a:rPr lang="en-US" altLang="ko-KR" sz="2000" dirty="0"/>
+                  <a:t>+ </a:t>
+                </a:r>
+                <a14:m>
+                  <m:oMath xmlns:m="http://schemas.openxmlformats.org/officeDocument/2006/math">
+                    <m:r>
+                      <a:rPr lang="ko-KR" altLang="en-US" sz="2000" i="1">
+                        <a:latin typeface="Cambria Math" panose="02040503050406030204" pitchFamily="18" charset="0"/>
+                      </a:rPr>
+                      <m:t>∅</m:t>
+                    </m:r>
+                    <m:r>
+                      <m:rPr>
+                        <m:nor/>
+                      </m:rPr>
+                      <a:rPr lang="en-US" altLang="ko-KR" sz="2000">
+                        <a:latin typeface="Cambria Math" panose="02040503050406030204" pitchFamily="18" charset="0"/>
+                      </a:rPr>
+                      <m:t>′</m:t>
+                    </m:r>
+                    <m:r>
+                      <m:rPr>
+                        <m:nor/>
+                      </m:rPr>
+                      <a:rPr lang="en-US" altLang="ko-KR" sz="2000" dirty="0"/>
+                      <m:t>(</m:t>
+                    </m:r>
+                    <m:r>
+                      <a:rPr lang="ko-KR" altLang="en-US" sz="2000" i="1">
+                        <a:latin typeface="Cambria Math" panose="02040503050406030204" pitchFamily="18" charset="0"/>
+                      </a:rPr>
+                      <m:t>𝜇</m:t>
+                    </m:r>
+                    <m:r>
+                      <m:rPr>
+                        <m:nor/>
+                      </m:rPr>
+                      <a:rPr lang="en-US" altLang="ko-KR" sz="2000" dirty="0"/>
+                      <m:t>)(</m:t>
+                    </m:r>
+                    <m:r>
+                      <m:rPr>
+                        <m:nor/>
+                      </m:rPr>
+                      <a:rPr lang="en-US" altLang="ko-KR" sz="2000" b="0" i="0" dirty="0" smtClean="0"/>
+                      <m:t>X</m:t>
+                    </m:r>
+                    <m:r>
+                      <m:rPr>
+                        <m:nor/>
+                      </m:rPr>
+                      <a:rPr lang="en-US" altLang="ko-KR" sz="2000" dirty="0"/>
+                      <m:t>−</m:t>
+                    </m:r>
+                    <m:r>
+                      <a:rPr lang="ko-KR" altLang="en-US" sz="2000" i="1">
+                        <a:latin typeface="Cambria Math" panose="02040503050406030204" pitchFamily="18" charset="0"/>
+                      </a:rPr>
+                      <m:t>𝜇</m:t>
+                    </m:r>
+                    <m:r>
+                      <m:rPr>
+                        <m:nor/>
+                      </m:rPr>
+                      <a:rPr lang="en-US" altLang="ko-KR" sz="2000" dirty="0"/>
+                      <m:t>)</m:t>
+                    </m:r>
+                    <m:r>
+                      <m:rPr>
+                        <m:nor/>
+                      </m:rPr>
+                      <a:rPr lang="en-US" altLang="ko-KR" sz="2000" b="0" i="0" dirty="0" smtClean="0"/>
+                      <m:t>]</m:t>
+                    </m:r>
+                  </m:oMath>
+                </a14:m>
+                <a:endParaRPr lang="en-US" altLang="ko-KR" sz="2000" b="0" dirty="0"/>
+              </a:p>
+              <a:p>
+                <a:pPr marL="457200" indent="-457200">
+                  <a:buAutoNum type="arabicParenBoth"/>
+                </a:pPr>
+                <a14:m>
+                  <m:oMath xmlns:m="http://schemas.openxmlformats.org/officeDocument/2006/math">
+                    <m:r>
+                      <m:rPr>
+                        <m:sty m:val="p"/>
+                      </m:rPr>
+                      <a:rPr lang="en-US" altLang="ko-KR" sz="2000">
+                        <a:latin typeface="Cambria Math" panose="02040503050406030204" pitchFamily="18" charset="0"/>
+                      </a:rPr>
+                      <m:t>E</m:t>
+                    </m:r>
+                    <m:r>
+                      <a:rPr lang="en-US" altLang="ko-KR" sz="2000" i="1">
+                        <a:latin typeface="Cambria Math" panose="02040503050406030204" pitchFamily="18" charset="0"/>
+                      </a:rPr>
+                      <m:t>[</m:t>
+                    </m:r>
+                    <m:r>
+                      <a:rPr lang="ko-KR" altLang="en-US" sz="2000" i="1">
+                        <a:latin typeface="Cambria Math" panose="02040503050406030204" pitchFamily="18" charset="0"/>
+                      </a:rPr>
+                      <m:t>∅</m:t>
+                    </m:r>
+                    <m:r>
+                      <m:rPr>
+                        <m:nor/>
+                      </m:rPr>
+                      <a:rPr lang="en-US" altLang="ko-KR" sz="2000" dirty="0"/>
+                      <m:t>(</m:t>
+                    </m:r>
+                    <m:r>
+                      <m:rPr>
+                        <m:nor/>
+                      </m:rPr>
+                      <a:rPr lang="en-US" altLang="ko-KR" sz="2000" dirty="0"/>
+                      <m:t>x</m:t>
+                    </m:r>
+                    <m:r>
+                      <m:rPr>
+                        <m:nor/>
+                      </m:rPr>
+                      <a:rPr lang="en-US" altLang="ko-KR" sz="2000" dirty="0"/>
+                      <m:t>)] &gt; </m:t>
+                    </m:r>
+                    <m:r>
+                      <m:rPr>
+                        <m:nor/>
+                      </m:rPr>
+                      <a:rPr lang="en-US" altLang="ko-KR" sz="2000" b="0" i="0" dirty="0" smtClean="0"/>
+                      <m:t>E</m:t>
+                    </m:r>
+                    <m:r>
+                      <m:rPr>
+                        <m:nor/>
+                      </m:rPr>
+                      <a:rPr lang="en-US" altLang="ko-KR" sz="2000" b="0" i="0" smtClean="0">
+                        <a:latin typeface="Cambria Math" panose="02040503050406030204" pitchFamily="18" charset="0"/>
+                      </a:rPr>
+                      <m:t>[</m:t>
+                    </m:r>
+                    <m:r>
+                      <a:rPr lang="ko-KR" altLang="en-US" sz="2000" i="1">
+                        <a:latin typeface="Cambria Math" panose="02040503050406030204" pitchFamily="18" charset="0"/>
+                      </a:rPr>
+                      <m:t>∅</m:t>
+                    </m:r>
+                    <m:r>
+                      <m:rPr>
+                        <m:nor/>
+                      </m:rPr>
+                      <a:rPr lang="en-US" altLang="ko-KR" sz="2000" dirty="0"/>
+                      <m:t>(</m:t>
+                    </m:r>
+                    <m:r>
+                      <a:rPr lang="ko-KR" altLang="en-US" sz="2000" i="1">
+                        <a:latin typeface="Cambria Math" panose="02040503050406030204" pitchFamily="18" charset="0"/>
+                      </a:rPr>
+                      <m:t>𝜇</m:t>
+                    </m:r>
+                    <m:r>
+                      <m:rPr>
+                        <m:nor/>
+                      </m:rPr>
+                      <a:rPr lang="en-US" altLang="ko-KR" sz="2000" dirty="0"/>
+                      <m:t>)</m:t>
+                    </m:r>
+                    <m:r>
+                      <m:rPr>
+                        <m:nor/>
+                      </m:rPr>
+                      <a:rPr lang="en-US" altLang="ko-KR" sz="2000" b="0" i="0" dirty="0" smtClean="0"/>
+                      <m:t>]</m:t>
+                    </m:r>
+                    <m:r>
+                      <a:rPr lang="en-US" altLang="ko-KR" sz="2000" b="0" i="1" dirty="0" smtClean="0"/>
+                      <m:t>→</m:t>
+                    </m:r>
+                  </m:oMath>
+                </a14:m>
+                <a:r>
+                  <a:rPr lang="en-US" altLang="ko-KR" sz="2000" dirty="0"/>
+                  <a:t> </a:t>
+                </a:r>
+                <a14:m>
+                  <m:oMath xmlns:m="http://schemas.openxmlformats.org/officeDocument/2006/math">
+                    <m:r>
+                      <m:rPr>
+                        <m:sty m:val="p"/>
+                      </m:rPr>
+                      <a:rPr lang="en-US" altLang="ko-KR" sz="2000" smtClean="0">
+                        <a:solidFill>
+                          <a:srgbClr val="FF0000"/>
+                        </a:solidFill>
+                        <a:latin typeface="Cambria Math" panose="02040503050406030204" pitchFamily="18" charset="0"/>
+                      </a:rPr>
+                      <m:t>E</m:t>
+                    </m:r>
+                    <m:r>
+                      <a:rPr lang="en-US" altLang="ko-KR" sz="2000" i="1">
+                        <a:solidFill>
+                          <a:srgbClr val="FF0000"/>
+                        </a:solidFill>
+                        <a:latin typeface="Cambria Math" panose="02040503050406030204" pitchFamily="18" charset="0"/>
+                      </a:rPr>
+                      <m:t>[</m:t>
+                    </m:r>
+                    <m:r>
+                      <a:rPr lang="ko-KR" altLang="en-US" sz="2000" i="1">
+                        <a:solidFill>
+                          <a:srgbClr val="FF0000"/>
+                        </a:solidFill>
+                        <a:latin typeface="Cambria Math" panose="02040503050406030204" pitchFamily="18" charset="0"/>
+                      </a:rPr>
+                      <m:t>∅</m:t>
+                    </m:r>
+                    <m:r>
+                      <m:rPr>
+                        <m:nor/>
+                      </m:rPr>
+                      <a:rPr lang="en-US" altLang="ko-KR" sz="2000" dirty="0">
+                        <a:solidFill>
+                          <a:srgbClr val="FF0000"/>
+                        </a:solidFill>
+                      </a:rPr>
+                      <m:t>(</m:t>
+                    </m:r>
+                    <m:r>
+                      <m:rPr>
+                        <m:nor/>
+                      </m:rPr>
+                      <a:rPr lang="en-US" altLang="ko-KR" sz="2000" dirty="0">
+                        <a:solidFill>
+                          <a:srgbClr val="FF0000"/>
+                        </a:solidFill>
+                      </a:rPr>
+                      <m:t>x</m:t>
+                    </m:r>
+                    <m:r>
+                      <m:rPr>
+                        <m:nor/>
+                      </m:rPr>
+                      <a:rPr lang="en-US" altLang="ko-KR" sz="2000" dirty="0">
+                        <a:solidFill>
+                          <a:srgbClr val="FF0000"/>
+                        </a:solidFill>
+                      </a:rPr>
+                      <m:t>)] </m:t>
+                    </m:r>
+                  </m:oMath>
+                </a14:m>
+                <a:r>
+                  <a:rPr lang="en-US" altLang="ko-KR" sz="2000" dirty="0">
+                    <a:solidFill>
+                      <a:srgbClr val="FF0000"/>
+                    </a:solidFill>
+                  </a:rPr>
+                  <a:t>&gt; </a:t>
+                </a:r>
+                <a14:m>
+                  <m:oMath xmlns:m="http://schemas.openxmlformats.org/officeDocument/2006/math">
+                    <m:r>
+                      <a:rPr lang="ko-KR" altLang="en-US" sz="2000" i="1">
+                        <a:solidFill>
+                          <a:srgbClr val="FF0000"/>
+                        </a:solidFill>
+                        <a:latin typeface="Cambria Math" panose="02040503050406030204" pitchFamily="18" charset="0"/>
+                      </a:rPr>
+                      <m:t>∅</m:t>
+                    </m:r>
+                    <m:r>
+                      <m:rPr>
+                        <m:nor/>
+                      </m:rPr>
+                      <a:rPr lang="en-US" altLang="ko-KR" sz="2000" b="0" i="0" smtClean="0">
+                        <a:solidFill>
+                          <a:srgbClr val="FF0000"/>
+                        </a:solidFill>
+                        <a:latin typeface="Cambria Math" panose="02040503050406030204" pitchFamily="18" charset="0"/>
+                      </a:rPr>
+                      <m:t>[</m:t>
+                    </m:r>
+                    <m:r>
+                      <m:rPr>
+                        <m:nor/>
+                      </m:rPr>
+                      <a:rPr lang="en-US" altLang="ko-KR" sz="2000" b="0" i="0" dirty="0" smtClean="0">
+                        <a:solidFill>
+                          <a:srgbClr val="FF0000"/>
+                        </a:solidFill>
+                      </a:rPr>
+                      <m:t>E</m:t>
+                    </m:r>
+                    <m:r>
+                      <m:rPr>
+                        <m:nor/>
+                      </m:rPr>
+                      <a:rPr lang="en-US" altLang="ko-KR" sz="2000" b="0" i="0" dirty="0" smtClean="0">
+                        <a:solidFill>
+                          <a:srgbClr val="FF0000"/>
+                        </a:solidFill>
+                      </a:rPr>
+                      <m:t>(</m:t>
+                    </m:r>
+                    <m:r>
+                      <m:rPr>
+                        <m:nor/>
+                      </m:rPr>
+                      <a:rPr lang="en-US" altLang="ko-KR" sz="2000" b="0" i="0" dirty="0" smtClean="0">
+                        <a:solidFill>
+                          <a:srgbClr val="FF0000"/>
+                        </a:solidFill>
+                      </a:rPr>
+                      <m:t>X</m:t>
+                    </m:r>
+                    <m:r>
+                      <m:rPr>
+                        <m:nor/>
+                      </m:rPr>
+                      <a:rPr lang="en-US" altLang="ko-KR" sz="2000" dirty="0">
+                        <a:solidFill>
+                          <a:srgbClr val="FF0000"/>
+                        </a:solidFill>
+                      </a:rPr>
+                      <m:t>)</m:t>
+                    </m:r>
+                    <m:r>
+                      <m:rPr>
+                        <m:nor/>
+                      </m:rPr>
+                      <a:rPr lang="en-US" altLang="ko-KR" sz="2000" b="0" i="0" dirty="0" smtClean="0">
+                        <a:solidFill>
+                          <a:srgbClr val="FF0000"/>
+                        </a:solidFill>
+                      </a:rPr>
+                      <m:t>]</m:t>
+                    </m:r>
+                  </m:oMath>
+                </a14:m>
+                <a:endParaRPr lang="ko-KR" altLang="en-US" sz="2000" dirty="0"/>
+              </a:p>
+            </p:txBody>
+          </p:sp>
+        </mc:Choice>
+        <mc:Fallback>
+          <p:sp>
+            <p:nvSpPr>
+              <p:cNvPr id="3" name="내용 개체 틀 2">
+                <a:extLst>
+                  <a:ext uri="{FF2B5EF4-FFF2-40B4-BE49-F238E27FC236}">
+                    <a16:creationId xmlns:a16="http://schemas.microsoft.com/office/drawing/2014/main" id="{86D12E51-8600-4EE6-BEBF-79AE9351C629}"/>
+                  </a:ext>
+                </a:extLst>
+              </p:cNvPr>
+              <p:cNvSpPr>
+                <a:spLocks noGrp="1" noRot="1" noChangeAspect="1" noMove="1" noResize="1" noEditPoints="1" noAdjustHandles="1" noChangeArrowheads="1" noChangeShapeType="1" noTextEdit="1"/>
+              </p:cNvSpPr>
+              <p:nvPr>
+                <p:ph idx="1"/>
+              </p:nvPr>
+            </p:nvSpPr>
+            <p:spPr>
+              <a:blipFill>
+                <a:blip r:embed="rId2"/>
+                <a:stretch>
+                  <a:fillRect l="-812" t="-1401"/>
+                </a:stretch>
+              </a:blipFill>
+            </p:spPr>
+            <p:txBody>
+              <a:bodyPr/>
+              <a:lstStyle/>
+              <a:p>
+                <a:r>
+                  <a:rPr lang="ko-KR" altLang="en-US">
+                    <a:noFill/>
+                  </a:rPr>
+                  <a:t> </a:t>
+                </a:r>
+              </a:p>
+            </p:txBody>
+          </p:sp>
+        </mc:Fallback>
+      </mc:AlternateContent>
+      <p:cxnSp>
+        <p:nvCxnSpPr>
+          <p:cNvPr id="5" name="직선 연결선 4">
+            <a:extLst>
+              <a:ext uri="{FF2B5EF4-FFF2-40B4-BE49-F238E27FC236}">
+                <a16:creationId xmlns:a16="http://schemas.microsoft.com/office/drawing/2014/main" id="{7054298B-AFC2-44A3-A44D-8222B6BB64F9}"/>
+              </a:ext>
+            </a:extLst>
+          </p:cNvPr>
+          <p:cNvCxnSpPr/>
+          <p:nvPr/>
+        </p:nvCxnSpPr>
+        <p:spPr>
+          <a:xfrm flipV="1">
+            <a:off x="3500846" y="5277394"/>
+            <a:ext cx="1158240" cy="313509"/>
+          </a:xfrm>
+          <a:prstGeom prst="line">
+            <a:avLst/>
+          </a:prstGeom>
+          <a:ln w="38100">
+            <a:solidFill>
+              <a:srgbClr val="FF0000"/>
+            </a:solidFill>
+          </a:ln>
+        </p:spPr>
+        <p:style>
+          <a:lnRef idx="1">
+            <a:schemeClr val="accent1"/>
+          </a:lnRef>
+          <a:fillRef idx="0">
+            <a:schemeClr val="accent1"/>
+          </a:fillRef>
+          <a:effectRef idx="0">
+            <a:schemeClr val="accent1"/>
+          </a:effectRef>
+          <a:fontRef idx="minor">
+            <a:schemeClr val="tx1"/>
+          </a:fontRef>
+        </p:style>
+      </p:cxnSp>
+    </p:spTree>
+    <p:extLst>
+      <p:ext uri="{BB962C8B-B14F-4D97-AF65-F5344CB8AC3E}">
+        <p14:creationId xmlns:p14="http://schemas.microsoft.com/office/powerpoint/2010/main" val="2193615644"/>
+      </p:ext>
+    </p:extLst>
+  </p:cSld>
+  <p:clrMapOvr>
+    <a:masterClrMapping/>
+  </p:clrMapOvr>
+</p:sld>
+</file>
+
+<file path=ppt/slides/slide5.xml><?xml version="1.0" encoding="utf-8"?>
+<p:sld xmlns:a="http://schemas.openxmlformats.org/drawingml/2006/main" xmlns:r="http://schemas.openxmlformats.org/officeDocument/2006/relationships" xmlns:p="http://schemas.openxmlformats.org/presentationml/2006/main">
+  <p:cSld>
+    <p:spTree>
+      <p:nvGrpSpPr>
+        <p:cNvPr id="1" name=""/>
+        <p:cNvGrpSpPr/>
+        <p:nvPr/>
+      </p:nvGrpSpPr>
+      <p:grpSpPr>
+        <a:xfrm>
+          <a:off x="0" y="0"/>
+          <a:ext cx="0" cy="0"/>
+          <a:chOff x="0" y="0"/>
+          <a:chExt cx="0" cy="0"/>
+        </a:xfrm>
+      </p:grpSpPr>
+      <p:sp>
+        <p:nvSpPr>
+          <p:cNvPr id="2" name="제목 1">
+            <a:extLst>
+              <a:ext uri="{FF2B5EF4-FFF2-40B4-BE49-F238E27FC236}">
                 <a16:creationId xmlns:a16="http://schemas.microsoft.com/office/drawing/2014/main" id="{681805C5-0E96-42E7-AD0A-3ADAD7AF1AB2}"/>
               </a:ext>
             </a:extLst>
@@ -7601,8 +8977,8 @@
           </a:p>
         </p:txBody>
       </p:sp>
-      <mc:AlternateContent xmlns:mc="http://schemas.openxmlformats.org/markup-compatibility/2006">
-        <mc:Choice xmlns:a14="http://schemas.microsoft.com/office/drawing/2010/main" Requires="a14">
+      <mc:AlternateContent xmlns:mc="http://schemas.openxmlformats.org/markup-compatibility/2006" xmlns:a14="http://schemas.microsoft.com/office/drawing/2010/main">
+        <mc:Choice Requires="a14">
           <p:sp>
             <p:nvSpPr>
               <p:cNvPr id="3" name="내용 개체 틀 2">
@@ -7722,7 +9098,7 @@
                     <m:d>
                       <m:dPr>
                         <m:ctrlPr>
-                          <a:rPr lang="en-US" altLang="ko-KR" sz="2000" b="0" i="0" smtClean="0">
+                          <a:rPr lang="en-US" altLang="ko-KR" sz="2000" b="0" i="1" smtClean="0">
                             <a:latin typeface="Cambria Math" panose="02040503050406030204" pitchFamily="18" charset="0"/>
                           </a:rPr>
                         </m:ctrlPr>
@@ -7908,7 +9284,7 @@
                     <m:d>
                       <m:dPr>
                         <m:ctrlPr>
-                          <a:rPr lang="en-US" altLang="ko-KR" sz="2000" b="0" i="0" smtClean="0">
+                          <a:rPr lang="en-US" altLang="ko-KR" sz="2000" b="0" i="1" smtClean="0">
                             <a:latin typeface="Cambria Math" panose="02040503050406030204" pitchFamily="18" charset="0"/>
                           </a:rPr>
                         </m:ctrlPr>
@@ -8515,7 +9891,7 @@
             </p:txBody>
           </p:sp>
         </mc:Choice>
-        <mc:Fallback>
+        <mc:Fallback xmlns="">
           <p:sp>
             <p:nvSpPr>
               <p:cNvPr id="3" name="내용 개체 틀 2">
@@ -8674,8 +10050,8 @@
           </a:fontRef>
         </p:style>
       </p:cxnSp>
-      <mc:AlternateContent xmlns:mc="http://schemas.openxmlformats.org/markup-compatibility/2006">
-        <mc:Choice xmlns:a14="http://schemas.microsoft.com/office/drawing/2010/main" Requires="a14">
+      <mc:AlternateContent xmlns:mc="http://schemas.openxmlformats.org/markup-compatibility/2006" xmlns:a14="http://schemas.microsoft.com/office/drawing/2010/main">
+        <mc:Choice Requires="a14">
           <p:sp>
             <p:nvSpPr>
               <p:cNvPr id="11" name="TextBox 10">
@@ -8709,7 +10085,7 @@
                     <m:f>
                       <m:fPr>
                         <m:ctrlPr>
-                          <a:rPr lang="en-US" altLang="ko-KR" b="0" i="0" smtClean="0">
+                          <a:rPr lang="en-US" altLang="ko-KR" b="0" i="1" smtClean="0">
                             <a:latin typeface="Cambria Math" panose="02040503050406030204" pitchFamily="18" charset="0"/>
                           </a:rPr>
                         </m:ctrlPr>
@@ -8761,7 +10137,7 @@
             </p:txBody>
           </p:sp>
         </mc:Choice>
-        <mc:Fallback>
+        <mc:Fallback xmlns="">
           <p:sp>
             <p:nvSpPr>
               <p:cNvPr id="11" name="TextBox 10">
@@ -8806,8 +10182,8 @@
           </p:sp>
         </mc:Fallback>
       </mc:AlternateContent>
-      <mc:AlternateContent xmlns:mc="http://schemas.openxmlformats.org/markup-compatibility/2006">
-        <mc:Choice xmlns:a14="http://schemas.microsoft.com/office/drawing/2010/main" Requires="a14">
+      <mc:AlternateContent xmlns:mc="http://schemas.openxmlformats.org/markup-compatibility/2006" xmlns:a14="http://schemas.microsoft.com/office/drawing/2010/main">
+        <mc:Choice Requires="a14">
           <p:sp>
             <p:nvSpPr>
               <p:cNvPr id="12" name="TextBox 11">
@@ -8894,7 +10270,7 @@
             </p:txBody>
           </p:sp>
         </mc:Choice>
-        <mc:Fallback>
+        <mc:Fallback xmlns="">
           <p:sp>
             <p:nvSpPr>
               <p:cNvPr id="12" name="TextBox 11">
@@ -8975,8 +10351,8 @@
           </a:p>
         </p:txBody>
       </p:sp>
-      <mc:AlternateContent xmlns:mc="http://schemas.openxmlformats.org/markup-compatibility/2006">
-        <mc:Choice xmlns:a14="http://schemas.microsoft.com/office/drawing/2010/main" Requires="a14">
+      <mc:AlternateContent xmlns:mc="http://schemas.openxmlformats.org/markup-compatibility/2006" xmlns:a14="http://schemas.microsoft.com/office/drawing/2010/main">
+        <mc:Choice Requires="a14">
           <p:sp>
             <p:nvSpPr>
               <p:cNvPr id="15" name="TextBox 14">
@@ -9005,6 +10381,7 @@
               </a:bodyPr>
               <a:lstStyle/>
               <a:p>
+                <a:pPr/>
                 <a14:m>
                   <m:oMathPara xmlns:m="http://schemas.openxmlformats.org/officeDocument/2006/math">
                     <m:oMathParaPr>
@@ -9025,7 +10402,7 @@
             </p:txBody>
           </p:sp>
         </mc:Choice>
-        <mc:Fallback>
+        <mc:Fallback xmlns="">
           <p:sp>
             <p:nvSpPr>
               <p:cNvPr id="15" name="TextBox 14">
